--- a/ESPRIT-4CINFO1-Mai-Juin-2015/Diapositives/0. Aperçu du cours.pptx
+++ b/ESPRIT-4CINFO1-Mai-Juin-2015/Diapositives/0. Aperçu du cours.pptx
@@ -3841,12 +3841,16 @@
           <a:lstStyle/>
           <a:p>
             <a:r>
+              <a:rPr lang="fr-FR" dirty="0" smtClean="0"/>
+              <a:t>Aperçu du </a:t>
+            </a:r>
+            <a:r>
+              <a:rPr lang="fr-FR" dirty="0" smtClean="0"/>
+              <a:t>cours ‘Sécurité </a:t>
+            </a:r>
+            <a:r>
               <a:rPr lang="fr-FR" smtClean="0"/>
-              <a:t>Aperçu </a:t>
-            </a:r>
-            <a:r>
-              <a:rPr lang="fr-FR" dirty="0" smtClean="0"/>
-              <a:t>du cours</a:t>
+              <a:t>des réseaux’</a:t>
             </a:r>
             <a:endParaRPr lang="fr-FR" dirty="0"/>
           </a:p>
